--- a/20251101_CaseStudy_FDE.pptx
+++ b/20251101_CaseStudy_FDE.pptx
@@ -943,106 +943,7 @@
       </p:grpSpPr>
       <p:sp>
         <p:nvSpPr>
-          <p:cNvPr id="147" name="Google Shape;147;g3aa080c47f1_0_1306:notes"/>
-          <p:cNvSpPr/>
-          <p:nvPr>
-            <p:ph idx="2" type="sldImg"/>
-          </p:nvPr>
-        </p:nvSpPr>
-        <p:spPr>
-          <a:xfrm>
-            <a:off x="381300" y="685800"/>
-            <a:ext cx="6096000" cy="3429000"/>
-          </a:xfrm>
-          <a:custGeom>
-            <a:rect b="b" l="l" r="r" t="t"/>
-            <a:pathLst>
-              <a:path extrusionOk="0" h="120000" w="120000">
-                <a:moveTo>
-                  <a:pt x="0" y="0"/>
-                </a:moveTo>
-                <a:lnTo>
-                  <a:pt x="120000" y="0"/>
-                </a:lnTo>
-                <a:lnTo>
-                  <a:pt x="120000" y="120000"/>
-                </a:lnTo>
-                <a:lnTo>
-                  <a:pt x="0" y="120000"/>
-                </a:lnTo>
-                <a:close/>
-              </a:path>
-            </a:pathLst>
-          </a:custGeom>
-        </p:spPr>
-      </p:sp>
-      <p:sp>
-        <p:nvSpPr>
-          <p:cNvPr id="148" name="Google Shape;148;g3aa080c47f1_0_1306:notes"/>
-          <p:cNvSpPr txBox="1"/>
-          <p:nvPr>
-            <p:ph idx="1" type="body"/>
-          </p:nvPr>
-        </p:nvSpPr>
-        <p:spPr>
-          <a:xfrm>
-            <a:off x="685800" y="4343400"/>
-            <a:ext cx="5486400" cy="4114800"/>
-          </a:xfrm>
-          <a:prstGeom prst="rect">
-            <a:avLst/>
-          </a:prstGeom>
-        </p:spPr>
-        <p:txBody>
-          <a:bodyPr anchorCtr="0" anchor="t" bIns="91425" lIns="91425" spcFirstLastPara="1" rIns="91425" wrap="square" tIns="91425">
-            <a:noAutofit/>
-          </a:bodyPr>
-          <a:lstStyle/>
-          <a:p>
-            <a:pPr indent="0" lvl="0" marL="0" rtl="0" algn="l">
-              <a:spcBef>
-                <a:spcPts val="0"/>
-              </a:spcBef>
-              <a:spcAft>
-                <a:spcPts val="0"/>
-              </a:spcAft>
-              <a:buNone/>
-            </a:pPr>
-            <a:r>
-              <a:t/>
-            </a:r>
-            <a:endParaRPr/>
-          </a:p>
-        </p:txBody>
-      </p:sp>
-    </p:spTree>
-  </p:cSld>
-  <p:clrMapOvr>
-    <a:masterClrMapping/>
-  </p:clrMapOvr>
-</p:notes>
-</file>
-
-<file path=ppt/notesSlides/notesSlide4.xml><?xml version="1.0" encoding="utf-8"?>
-<p:notes xmlns:a="http://schemas.openxmlformats.org/drawingml/2006/main" xmlns:r="http://schemas.openxmlformats.org/officeDocument/2006/relationships" xmlns:mc="http://schemas.openxmlformats.org/markup-compatibility/2006" xmlns:mv="urn:schemas-microsoft-com:mac:vml" xmlns:p="http://schemas.openxmlformats.org/presentationml/2006/main" xmlns:c="http://schemas.openxmlformats.org/drawingml/2006/chart" xmlns:dgm="http://schemas.openxmlformats.org/drawingml/2006/diagram" xmlns:o="urn:schemas-microsoft-com:office:office" xmlns:v="urn:schemas-microsoft-com:vml" xmlns:pvml="urn:schemas-microsoft-com:office:powerpoint" xmlns:com="http://schemas.openxmlformats.org/drawingml/2006/compatibility" xmlns:p14="http://schemas.microsoft.com/office/powerpoint/2010/main" xmlns:p15="http://schemas.microsoft.com/office/powerpoint/2012/main" xmlns:ahyp="http://schemas.microsoft.com/office/drawing/2018/hyperlinkcolor" showMasterPhAnim="0" showMasterSp="0">
-  <p:cSld>
-    <p:spTree>
-      <p:nvGrpSpPr>
-        <p:cNvPr id="156" name="Shape 156"/>
-        <p:cNvGrpSpPr/>
-        <p:nvPr/>
-      </p:nvGrpSpPr>
-      <p:grpSpPr>
-        <a:xfrm>
-          <a:off x="0" y="0"/>
-          <a:ext cx="0" cy="0"/>
-          <a:chOff x="0" y="0"/>
-          <a:chExt cx="0" cy="0"/>
-        </a:xfrm>
-      </p:grpSpPr>
-      <p:sp>
-        <p:nvSpPr>
-          <p:cNvPr id="157" name="Google Shape;157;g3aa080c47f1_0_1136:notes"/>
+          <p:cNvPr id="147" name="Google Shape;147;g3aa080c47f1_0_1136:notes"/>
           <p:cNvSpPr/>
           <p:nvPr>
             <p:ph idx="2" type="sldImg"/>
@@ -1087,7 +988,7 @@
       </p:sp>
       <p:sp>
         <p:nvSpPr>
-          <p:cNvPr id="158" name="Google Shape;158;g3aa080c47f1_0_1136:notes"/>
+          <p:cNvPr id="148" name="Google Shape;148;g3aa080c47f1_0_1136:notes"/>
           <p:cNvSpPr txBox="1"/>
           <p:nvPr>
             <p:ph idx="1" type="body"/>
@@ -1140,6 +1041,105 @@
               <a:cs typeface="Roboto"/>
               <a:sym typeface="Roboto"/>
             </a:endParaRPr>
+          </a:p>
+        </p:txBody>
+      </p:sp>
+    </p:spTree>
+  </p:cSld>
+  <p:clrMapOvr>
+    <a:masterClrMapping/>
+  </p:clrMapOvr>
+</p:notes>
+</file>
+
+<file path=ppt/notesSlides/notesSlide4.xml><?xml version="1.0" encoding="utf-8"?>
+<p:notes xmlns:a="http://schemas.openxmlformats.org/drawingml/2006/main" xmlns:r="http://schemas.openxmlformats.org/officeDocument/2006/relationships" xmlns:mc="http://schemas.openxmlformats.org/markup-compatibility/2006" xmlns:mv="urn:schemas-microsoft-com:mac:vml" xmlns:p="http://schemas.openxmlformats.org/presentationml/2006/main" xmlns:c="http://schemas.openxmlformats.org/drawingml/2006/chart" xmlns:dgm="http://schemas.openxmlformats.org/drawingml/2006/diagram" xmlns:o="urn:schemas-microsoft-com:office:office" xmlns:v="urn:schemas-microsoft-com:vml" xmlns:pvml="urn:schemas-microsoft-com:office:powerpoint" xmlns:com="http://schemas.openxmlformats.org/drawingml/2006/compatibility" xmlns:p14="http://schemas.microsoft.com/office/powerpoint/2010/main" xmlns:p15="http://schemas.microsoft.com/office/powerpoint/2012/main" xmlns:ahyp="http://schemas.microsoft.com/office/drawing/2018/hyperlinkcolor" showMasterPhAnim="0" showMasterSp="0">
+  <p:cSld>
+    <p:spTree>
+      <p:nvGrpSpPr>
+        <p:cNvPr id="176" name="Shape 176"/>
+        <p:cNvGrpSpPr/>
+        <p:nvPr/>
+      </p:nvGrpSpPr>
+      <p:grpSpPr>
+        <a:xfrm>
+          <a:off x="0" y="0"/>
+          <a:ext cx="0" cy="0"/>
+          <a:chOff x="0" y="0"/>
+          <a:chExt cx="0" cy="0"/>
+        </a:xfrm>
+      </p:grpSpPr>
+      <p:sp>
+        <p:nvSpPr>
+          <p:cNvPr id="177" name="Google Shape;177;g3aa080c47f1_0_1306:notes"/>
+          <p:cNvSpPr/>
+          <p:nvPr>
+            <p:ph idx="2" type="sldImg"/>
+          </p:nvPr>
+        </p:nvSpPr>
+        <p:spPr>
+          <a:xfrm>
+            <a:off x="381300" y="685800"/>
+            <a:ext cx="6096000" cy="3429000"/>
+          </a:xfrm>
+          <a:custGeom>
+            <a:rect b="b" l="l" r="r" t="t"/>
+            <a:pathLst>
+              <a:path extrusionOk="0" h="120000" w="120000">
+                <a:moveTo>
+                  <a:pt x="0" y="0"/>
+                </a:moveTo>
+                <a:lnTo>
+                  <a:pt x="120000" y="0"/>
+                </a:lnTo>
+                <a:lnTo>
+                  <a:pt x="120000" y="120000"/>
+                </a:lnTo>
+                <a:lnTo>
+                  <a:pt x="0" y="120000"/>
+                </a:lnTo>
+                <a:close/>
+              </a:path>
+            </a:pathLst>
+          </a:custGeom>
+        </p:spPr>
+      </p:sp>
+      <p:sp>
+        <p:nvSpPr>
+          <p:cNvPr id="178" name="Google Shape;178;g3aa080c47f1_0_1306:notes"/>
+          <p:cNvSpPr txBox="1"/>
+          <p:nvPr>
+            <p:ph idx="1" type="body"/>
+          </p:nvPr>
+        </p:nvSpPr>
+        <p:spPr>
+          <a:xfrm>
+            <a:off x="685800" y="4343400"/>
+            <a:ext cx="5486400" cy="4114800"/>
+          </a:xfrm>
+          <a:prstGeom prst="rect">
+            <a:avLst/>
+          </a:prstGeom>
+        </p:spPr>
+        <p:txBody>
+          <a:bodyPr anchorCtr="0" anchor="t" bIns="91425" lIns="91425" spcFirstLastPara="1" rIns="91425" wrap="square" tIns="91425">
+            <a:noAutofit/>
+          </a:bodyPr>
+          <a:lstStyle/>
+          <a:p>
+            <a:pPr indent="0" lvl="0" marL="0" rtl="0" algn="l">
+              <a:spcBef>
+                <a:spcPts val="0"/>
+              </a:spcBef>
+              <a:spcAft>
+                <a:spcPts val="0"/>
+              </a:spcAft>
+              <a:buNone/>
+            </a:pPr>
+            <a:r>
+              <a:t/>
+            </a:r>
+            <a:endParaRPr/>
           </a:p>
         </p:txBody>
       </p:sp>
@@ -11892,7 +11892,43 @@
                 <a:cs typeface="Outfit Light"/>
                 <a:sym typeface="Outfit Light"/>
               </a:rPr>
-              <a:t>Unleashing the power of data &amp; process mining with cavalis</a:t>
+              <a:t>Building </a:t>
+            </a:r>
+            <a:r>
+              <a:rPr lang="en" sz="2100">
+                <a:solidFill>
+                  <a:schemeClr val="lt1"/>
+                </a:solidFill>
+                <a:latin typeface="Outfit Light"/>
+                <a:ea typeface="Outfit Light"/>
+                <a:cs typeface="Outfit Light"/>
+                <a:sym typeface="Outfit Light"/>
+              </a:rPr>
+              <a:t>the</a:t>
+            </a:r>
+            <a:r>
+              <a:rPr lang="en" sz="2100">
+                <a:solidFill>
+                  <a:schemeClr val="lt1"/>
+                </a:solidFill>
+                <a:latin typeface="Outfit Light"/>
+                <a:ea typeface="Outfit Light"/>
+                <a:cs typeface="Outfit Light"/>
+                <a:sym typeface="Outfit Light"/>
+              </a:rPr>
+              <a:t> Data Intelligence Factory of the future</a:t>
+            </a:r>
+            <a:r>
+              <a:rPr lang="en" sz="2100">
+                <a:solidFill>
+                  <a:schemeClr val="lt1"/>
+                </a:solidFill>
+                <a:latin typeface="Outfit Light"/>
+                <a:ea typeface="Outfit Light"/>
+                <a:cs typeface="Outfit Light"/>
+                <a:sym typeface="Outfit Light"/>
+              </a:rPr>
+              <a:t> with cavalis</a:t>
             </a:r>
             <a:endParaRPr sz="2100">
               <a:solidFill>
@@ -12309,7 +12345,7 @@
                 <a:cs typeface="Outfit Light"/>
                 <a:sym typeface="Outfit Light"/>
               </a:rPr>
-              <a:t>Business Problem</a:t>
+              <a:t>[…]</a:t>
             </a:r>
             <a:endParaRPr sz="1200">
               <a:solidFill>
@@ -12426,7 +12462,7 @@
                 <a:cs typeface="Outfit Light"/>
                 <a:sym typeface="Outfit Light"/>
               </a:rPr>
-              <a:t>AI Solution</a:t>
+              <a:t>[…]</a:t>
             </a:r>
             <a:endParaRPr sz="1200">
               <a:solidFill>
@@ -12549,7 +12585,7 @@
                 <a:cs typeface="Outfit Light"/>
                 <a:sym typeface="Outfit Light"/>
               </a:rPr>
-              <a:t>Business Value and Expected Impact</a:t>
+              <a:t>[…]</a:t>
             </a:r>
             <a:endParaRPr sz="1200">
               <a:solidFill>
@@ -12655,450 +12691,6 @@
           <p:cNvPr id="150" name="Google Shape;150;p37"/>
           <p:cNvSpPr txBox="1"/>
           <p:nvPr>
-            <p:ph idx="4294967295" type="title"/>
-          </p:nvPr>
-        </p:nvSpPr>
-        <p:spPr>
-          <a:xfrm>
-            <a:off x="288325" y="168475"/>
-            <a:ext cx="7939200" cy="546600"/>
-          </a:xfrm>
-          <a:prstGeom prst="rect">
-            <a:avLst/>
-          </a:prstGeom>
-        </p:spPr>
-        <p:txBody>
-          <a:bodyPr anchorCtr="0" anchor="ctr" bIns="91425" lIns="91425" spcFirstLastPara="1" rIns="91425" wrap="square" tIns="91425">
-            <a:noAutofit/>
-          </a:bodyPr>
-          <a:lstStyle/>
-          <a:p>
-            <a:pPr indent="0" lvl="0" marL="0" rtl="0" algn="l">
-              <a:spcBef>
-                <a:spcPts val="0"/>
-              </a:spcBef>
-              <a:spcAft>
-                <a:spcPts val="0"/>
-              </a:spcAft>
-              <a:buNone/>
-            </a:pPr>
-            <a:r>
-              <a:rPr lang="en"/>
-              <a:t>[AI Solution]</a:t>
-            </a:r>
-            <a:endParaRPr/>
-          </a:p>
-        </p:txBody>
-      </p:sp>
-      <p:sp>
-        <p:nvSpPr>
-          <p:cNvPr id="151" name="Google Shape;151;p37"/>
-          <p:cNvSpPr/>
-          <p:nvPr/>
-        </p:nvSpPr>
-        <p:spPr>
-          <a:xfrm>
-            <a:off x="743400" y="1003525"/>
-            <a:ext cx="4862400" cy="1604100"/>
-          </a:xfrm>
-          <a:prstGeom prst="roundRect">
-            <a:avLst>
-              <a:gd fmla="val 16667" name="adj"/>
-            </a:avLst>
-          </a:prstGeom>
-          <a:solidFill>
-            <a:schemeClr val="lt2"/>
-          </a:solidFill>
-          <a:ln cap="flat" cmpd="sng" w="9525">
-            <a:solidFill>
-              <a:schemeClr val="dk2"/>
-            </a:solidFill>
-            <a:prstDash val="solid"/>
-            <a:round/>
-            <a:headEnd len="sm" w="sm" type="none"/>
-            <a:tailEnd len="sm" w="sm" type="none"/>
-          </a:ln>
-        </p:spPr>
-        <p:txBody>
-          <a:bodyPr anchorCtr="0" anchor="ctr" bIns="91425" lIns="91425" spcFirstLastPara="1" rIns="91425" wrap="square" tIns="91425">
-            <a:noAutofit/>
-          </a:bodyPr>
-          <a:lstStyle/>
-          <a:p>
-            <a:pPr indent="0" lvl="0" marL="0" rtl="0" algn="ctr">
-              <a:spcBef>
-                <a:spcPts val="0"/>
-              </a:spcBef>
-              <a:spcAft>
-                <a:spcPts val="0"/>
-              </a:spcAft>
-              <a:buNone/>
-            </a:pPr>
-            <a:r>
-              <a:rPr lang="en" sz="1100">
-                <a:solidFill>
-                  <a:srgbClr val="7F7F7F"/>
-                </a:solidFill>
-                <a:latin typeface="Outfit"/>
-                <a:ea typeface="Outfit"/>
-                <a:cs typeface="Outfit"/>
-                <a:sym typeface="Outfit"/>
-              </a:rPr>
-              <a:t>[High level visualization of the model pipeline]</a:t>
-            </a:r>
-            <a:endParaRPr sz="1600">
-              <a:latin typeface="Outfit Light"/>
-              <a:ea typeface="Outfit Light"/>
-              <a:cs typeface="Outfit Light"/>
-              <a:sym typeface="Outfit Light"/>
-            </a:endParaRPr>
-          </a:p>
-        </p:txBody>
-      </p:sp>
-      <p:sp>
-        <p:nvSpPr>
-          <p:cNvPr id="152" name="Google Shape;152;p37"/>
-          <p:cNvSpPr/>
-          <p:nvPr/>
-        </p:nvSpPr>
-        <p:spPr>
-          <a:xfrm>
-            <a:off x="743400" y="3020950"/>
-            <a:ext cx="2142900" cy="1517700"/>
-          </a:xfrm>
-          <a:prstGeom prst="roundRect">
-            <a:avLst>
-              <a:gd fmla="val 16667" name="adj"/>
-            </a:avLst>
-          </a:prstGeom>
-          <a:solidFill>
-            <a:schemeClr val="lt2"/>
-          </a:solidFill>
-          <a:ln cap="flat" cmpd="sng" w="9525">
-            <a:solidFill>
-              <a:schemeClr val="dk2"/>
-            </a:solidFill>
-            <a:prstDash val="solid"/>
-            <a:round/>
-            <a:headEnd len="sm" w="sm" type="none"/>
-            <a:tailEnd len="sm" w="sm" type="none"/>
-          </a:ln>
-        </p:spPr>
-        <p:txBody>
-          <a:bodyPr anchorCtr="0" anchor="ctr" bIns="91425" lIns="91425" spcFirstLastPara="1" rIns="91425" wrap="square" tIns="91425">
-            <a:noAutofit/>
-          </a:bodyPr>
-          <a:lstStyle/>
-          <a:p>
-            <a:pPr indent="0" lvl="0" marL="0" rtl="0" algn="ctr">
-              <a:spcBef>
-                <a:spcPts val="0"/>
-              </a:spcBef>
-              <a:spcAft>
-                <a:spcPts val="0"/>
-              </a:spcAft>
-              <a:buNone/>
-            </a:pPr>
-            <a:r>
-              <a:rPr lang="en" sz="1100">
-                <a:solidFill>
-                  <a:srgbClr val="7F7F7F"/>
-                </a:solidFill>
-                <a:latin typeface="Outfit"/>
-                <a:ea typeface="Outfit"/>
-                <a:cs typeface="Outfit"/>
-                <a:sym typeface="Outfit"/>
-              </a:rPr>
-              <a:t>[Key Metrics]</a:t>
-            </a:r>
-            <a:endParaRPr sz="1200">
-              <a:latin typeface="Outfit Light"/>
-              <a:ea typeface="Outfit Light"/>
-              <a:cs typeface="Outfit Light"/>
-              <a:sym typeface="Outfit Light"/>
-            </a:endParaRPr>
-          </a:p>
-        </p:txBody>
-      </p:sp>
-      <p:sp>
-        <p:nvSpPr>
-          <p:cNvPr id="153" name="Google Shape;153;p37"/>
-          <p:cNvSpPr txBox="1"/>
-          <p:nvPr/>
-        </p:nvSpPr>
-        <p:spPr>
-          <a:xfrm>
-            <a:off x="7130550" y="1312450"/>
-            <a:ext cx="1702500" cy="2381400"/>
-          </a:xfrm>
-          <a:prstGeom prst="rect">
-            <a:avLst/>
-          </a:prstGeom>
-          <a:noFill/>
-          <a:ln>
-            <a:noFill/>
-          </a:ln>
-        </p:spPr>
-        <p:txBody>
-          <a:bodyPr anchorCtr="0" anchor="t" bIns="91425" lIns="91425" spcFirstLastPara="1" rIns="91425" wrap="square" tIns="91425">
-            <a:noAutofit/>
-          </a:bodyPr>
-          <a:lstStyle/>
-          <a:p>
-            <a:pPr indent="0" lvl="0" marL="0" rtl="0" algn="l">
-              <a:spcBef>
-                <a:spcPts val="0"/>
-              </a:spcBef>
-              <a:spcAft>
-                <a:spcPts val="0"/>
-              </a:spcAft>
-              <a:buNone/>
-            </a:pPr>
-            <a:r>
-              <a:rPr lang="en" sz="1300">
-                <a:solidFill>
-                  <a:schemeClr val="lt1"/>
-                </a:solidFill>
-                <a:latin typeface="Outfit Light"/>
-                <a:ea typeface="Outfit Light"/>
-                <a:cs typeface="Outfit Light"/>
-                <a:sym typeface="Outfit Light"/>
-              </a:rPr>
-              <a:t>Key Insights:</a:t>
-            </a:r>
-            <a:endParaRPr sz="1300">
-              <a:solidFill>
-                <a:schemeClr val="lt1"/>
-              </a:solidFill>
-              <a:latin typeface="Outfit Light"/>
-              <a:ea typeface="Outfit Light"/>
-              <a:cs typeface="Outfit Light"/>
-              <a:sym typeface="Outfit Light"/>
-            </a:endParaRPr>
-          </a:p>
-          <a:p>
-            <a:pPr indent="0" lvl="0" marL="0" rtl="0" algn="l">
-              <a:spcBef>
-                <a:spcPts val="0"/>
-              </a:spcBef>
-              <a:spcAft>
-                <a:spcPts val="0"/>
-              </a:spcAft>
-              <a:buNone/>
-            </a:pPr>
-            <a:r>
-              <a:t/>
-            </a:r>
-            <a:endParaRPr sz="1300">
-              <a:solidFill>
-                <a:schemeClr val="lt1"/>
-              </a:solidFill>
-              <a:latin typeface="Outfit Light"/>
-              <a:ea typeface="Outfit Light"/>
-              <a:cs typeface="Outfit Light"/>
-              <a:sym typeface="Outfit Light"/>
-            </a:endParaRPr>
-          </a:p>
-          <a:p>
-            <a:pPr indent="-175260" lvl="0" marL="274320" rtl="0" algn="l">
-              <a:spcBef>
-                <a:spcPts val="0"/>
-              </a:spcBef>
-              <a:spcAft>
-                <a:spcPts val="0"/>
-              </a:spcAft>
-              <a:buClr>
-                <a:schemeClr val="lt1"/>
-              </a:buClr>
-              <a:buSzPts val="600"/>
-              <a:buFont typeface="Outfit Light"/>
-              <a:buChar char="●"/>
-            </a:pPr>
-            <a:r>
-              <a:rPr lang="en" sz="1100">
-                <a:solidFill>
-                  <a:schemeClr val="lt1"/>
-                </a:solidFill>
-                <a:latin typeface="Outfit Light"/>
-                <a:ea typeface="Outfit Light"/>
-                <a:cs typeface="Outfit Light"/>
-                <a:sym typeface="Outfit Light"/>
-              </a:rPr>
-              <a:t>[Interpretation of Metrics]</a:t>
-            </a:r>
-            <a:endParaRPr sz="1100">
-              <a:solidFill>
-                <a:schemeClr val="lt1"/>
-              </a:solidFill>
-              <a:latin typeface="Outfit Light"/>
-              <a:ea typeface="Outfit Light"/>
-              <a:cs typeface="Outfit Light"/>
-              <a:sym typeface="Outfit Light"/>
-            </a:endParaRPr>
-          </a:p>
-          <a:p>
-            <a:pPr indent="-175260" lvl="0" marL="274320" marR="0" rtl="0" algn="l">
-              <a:lnSpc>
-                <a:spcPct val="100000"/>
-              </a:lnSpc>
-              <a:spcBef>
-                <a:spcPts val="0"/>
-              </a:spcBef>
-              <a:spcAft>
-                <a:spcPts val="0"/>
-              </a:spcAft>
-              <a:buClr>
-                <a:schemeClr val="lt1"/>
-              </a:buClr>
-              <a:buSzPts val="600"/>
-              <a:buFont typeface="Outfit Light"/>
-              <a:buChar char="●"/>
-            </a:pPr>
-            <a:r>
-              <a:rPr lang="en" sz="1100">
-                <a:solidFill>
-                  <a:schemeClr val="lt1"/>
-                </a:solidFill>
-                <a:latin typeface="Outfit Light"/>
-                <a:ea typeface="Outfit Light"/>
-                <a:cs typeface="Outfit Light"/>
-                <a:sym typeface="Outfit Light"/>
-              </a:rPr>
-              <a:t>…</a:t>
-            </a:r>
-            <a:endParaRPr sz="1100">
-              <a:solidFill>
-                <a:schemeClr val="lt1"/>
-              </a:solidFill>
-              <a:latin typeface="Outfit"/>
-              <a:ea typeface="Outfit"/>
-              <a:cs typeface="Outfit"/>
-              <a:sym typeface="Outfit"/>
-            </a:endParaRPr>
-          </a:p>
-        </p:txBody>
-      </p:sp>
-      <p:sp>
-        <p:nvSpPr>
-          <p:cNvPr id="154" name="Google Shape;154;p37"/>
-          <p:cNvSpPr/>
-          <p:nvPr/>
-        </p:nvSpPr>
-        <p:spPr>
-          <a:xfrm>
-            <a:off x="3462900" y="3020950"/>
-            <a:ext cx="2142900" cy="1517700"/>
-          </a:xfrm>
-          <a:prstGeom prst="roundRect">
-            <a:avLst>
-              <a:gd fmla="val 16667" name="adj"/>
-            </a:avLst>
-          </a:prstGeom>
-          <a:solidFill>
-            <a:schemeClr val="lt2"/>
-          </a:solidFill>
-          <a:ln cap="flat" cmpd="sng" w="9525">
-            <a:solidFill>
-              <a:schemeClr val="dk2"/>
-            </a:solidFill>
-            <a:prstDash val="solid"/>
-            <a:round/>
-            <a:headEnd len="sm" w="sm" type="none"/>
-            <a:tailEnd len="sm" w="sm" type="none"/>
-          </a:ln>
-        </p:spPr>
-        <p:txBody>
-          <a:bodyPr anchorCtr="0" anchor="ctr" bIns="91425" lIns="91425" spcFirstLastPara="1" rIns="91425" wrap="square" tIns="91425">
-            <a:noAutofit/>
-          </a:bodyPr>
-          <a:lstStyle/>
-          <a:p>
-            <a:pPr indent="0" lvl="0" marL="0" rtl="0" algn="ctr">
-              <a:spcBef>
-                <a:spcPts val="0"/>
-              </a:spcBef>
-              <a:spcAft>
-                <a:spcPts val="0"/>
-              </a:spcAft>
-              <a:buNone/>
-            </a:pPr>
-            <a:r>
-              <a:rPr lang="en" sz="1100">
-                <a:solidFill>
-                  <a:srgbClr val="7F7F7F"/>
-                </a:solidFill>
-                <a:latin typeface="Outfit"/>
-                <a:ea typeface="Outfit"/>
-                <a:cs typeface="Outfit"/>
-                <a:sym typeface="Outfit"/>
-              </a:rPr>
-              <a:t>[Design Decision]</a:t>
-            </a:r>
-            <a:endParaRPr sz="1200">
-              <a:latin typeface="Outfit Light"/>
-              <a:ea typeface="Outfit Light"/>
-              <a:cs typeface="Outfit Light"/>
-              <a:sym typeface="Outfit Light"/>
-            </a:endParaRPr>
-          </a:p>
-        </p:txBody>
-      </p:sp>
-      <p:cxnSp>
-        <p:nvCxnSpPr>
-          <p:cNvPr id="155" name="Google Shape;155;p37"/>
-          <p:cNvCxnSpPr/>
-          <p:nvPr/>
-        </p:nvCxnSpPr>
-        <p:spPr>
-          <a:xfrm>
-            <a:off x="7200350" y="1711525"/>
-            <a:ext cx="1562700" cy="0"/>
-          </a:xfrm>
-          <a:prstGeom prst="straightConnector1">
-            <a:avLst/>
-          </a:prstGeom>
-          <a:noFill/>
-          <a:ln cap="flat" cmpd="sng" w="9525">
-            <a:solidFill>
-              <a:schemeClr val="lt1"/>
-            </a:solidFill>
-            <a:prstDash val="solid"/>
-            <a:round/>
-            <a:headEnd len="med" w="med" type="none"/>
-            <a:tailEnd len="med" w="med" type="none"/>
-          </a:ln>
-        </p:spPr>
-      </p:cxnSp>
-    </p:spTree>
-  </p:cSld>
-  <p:clrMapOvr>
-    <a:masterClrMapping/>
-  </p:clrMapOvr>
-</p:sld>
-</file>
-
-<file path=ppt/slides/slide4.xml><?xml version="1.0" encoding="utf-8"?>
-<p:sld xmlns:a="http://schemas.openxmlformats.org/drawingml/2006/main" xmlns:r="http://schemas.openxmlformats.org/officeDocument/2006/relationships" xmlns:mc="http://schemas.openxmlformats.org/markup-compatibility/2006" xmlns:mv="urn:schemas-microsoft-com:mac:vml" xmlns:p="http://schemas.openxmlformats.org/presentationml/2006/main" xmlns:c="http://schemas.openxmlformats.org/drawingml/2006/chart" xmlns:dgm="http://schemas.openxmlformats.org/drawingml/2006/diagram" xmlns:o="urn:schemas-microsoft-com:office:office" xmlns:v="urn:schemas-microsoft-com:vml" xmlns:pvml="urn:schemas-microsoft-com:office:powerpoint" xmlns:com="http://schemas.openxmlformats.org/drawingml/2006/compatibility" xmlns:p14="http://schemas.microsoft.com/office/powerpoint/2010/main" xmlns:p15="http://schemas.microsoft.com/office/powerpoint/2012/main" xmlns:ahyp="http://schemas.microsoft.com/office/drawing/2018/hyperlinkcolor">
-  <p:cSld>
-    <p:spTree>
-      <p:nvGrpSpPr>
-        <p:cNvPr id="159" name="Shape 159"/>
-        <p:cNvGrpSpPr/>
-        <p:nvPr/>
-      </p:nvGrpSpPr>
-      <p:grpSpPr>
-        <a:xfrm>
-          <a:off x="0" y="0"/>
-          <a:ext cx="0" cy="0"/>
-          <a:chOff x="0" y="0"/>
-          <a:chExt cx="0" cy="0"/>
-        </a:xfrm>
-      </p:grpSpPr>
-      <p:sp>
-        <p:nvSpPr>
-          <p:cNvPr id="160" name="Google Shape;160;p38"/>
-          <p:cNvSpPr txBox="1"/>
-          <p:nvPr>
             <p:ph type="title"/>
           </p:nvPr>
         </p:nvSpPr>
@@ -13144,7 +12736,7 @@
       </p:sp>
       <p:sp>
         <p:nvSpPr>
-          <p:cNvPr id="161" name="Google Shape;161;p38"/>
+          <p:cNvPr id="151" name="Google Shape;151;p37"/>
           <p:cNvSpPr txBox="1"/>
           <p:nvPr>
             <p:ph idx="12" type="sldNum"/>
@@ -13184,7 +12776,7 @@
       </p:sp>
       <p:sp>
         <p:nvSpPr>
-          <p:cNvPr id="162" name="Google Shape;162;p38"/>
+          <p:cNvPr id="152" name="Google Shape;152;p37"/>
           <p:cNvSpPr txBox="1"/>
           <p:nvPr/>
         </p:nvSpPr>
@@ -13250,7 +12842,7 @@
       </p:sp>
       <p:sp>
         <p:nvSpPr>
-          <p:cNvPr id="163" name="Google Shape;163;p38"/>
+          <p:cNvPr id="153" name="Google Shape;153;p37"/>
           <p:cNvSpPr txBox="1"/>
           <p:nvPr/>
         </p:nvSpPr>
@@ -13427,7 +13019,7 @@
       </p:sp>
       <p:cxnSp>
         <p:nvCxnSpPr>
-          <p:cNvPr id="164" name="Google Shape;164;p38"/>
+          <p:cNvPr id="154" name="Google Shape;154;p37"/>
           <p:cNvCxnSpPr/>
           <p:nvPr/>
         </p:nvCxnSpPr>
@@ -13453,7 +13045,7 @@
       </p:cxnSp>
       <p:sp>
         <p:nvSpPr>
-          <p:cNvPr id="165" name="Google Shape;165;p38"/>
+          <p:cNvPr id="155" name="Google Shape;155;p37"/>
           <p:cNvSpPr txBox="1"/>
           <p:nvPr/>
         </p:nvSpPr>
@@ -13494,7 +13086,7 @@
               <a:buNone/>
             </a:pPr>
             <a:r>
-              <a:rPr i="0" lang="en" sz="1200" u="none" cap="none" strike="noStrike">
+              <a:rPr lang="en" sz="1200">
                 <a:solidFill>
                   <a:schemeClr val="dk1"/>
                 </a:solidFill>
@@ -13503,31 +13095,7 @@
                 <a:cs typeface="Outfit SemiBold"/>
                 <a:sym typeface="Outfit SemiBold"/>
               </a:rPr>
-              <a:t>Recommended </a:t>
-            </a:r>
-            <a:r>
-              <a:rPr lang="en" sz="1200">
-                <a:solidFill>
-                  <a:schemeClr val="dk1"/>
-                </a:solidFill>
-                <a:latin typeface="Outfit SemiBold"/>
-                <a:ea typeface="Outfit SemiBold"/>
-                <a:cs typeface="Outfit SemiBold"/>
-                <a:sym typeface="Outfit SemiBold"/>
-              </a:rPr>
-              <a:t>A</a:t>
-            </a:r>
-            <a:r>
-              <a:rPr i="0" lang="en" sz="1200" u="none" cap="none" strike="noStrike">
-                <a:solidFill>
-                  <a:schemeClr val="dk1"/>
-                </a:solidFill>
-                <a:latin typeface="Outfit SemiBold"/>
-                <a:ea typeface="Outfit SemiBold"/>
-                <a:cs typeface="Outfit SemiBold"/>
-                <a:sym typeface="Outfit SemiBold"/>
-              </a:rPr>
-              <a:t>ctions</a:t>
+              <a:t>Solution</a:t>
             </a:r>
             <a:endParaRPr i="0" sz="1200" u="none" cap="none" strike="noStrike">
               <a:solidFill>
@@ -13543,7 +13111,7 @@
       </p:sp>
       <p:sp>
         <p:nvSpPr>
-          <p:cNvPr id="166" name="Google Shape;166;p38"/>
+          <p:cNvPr id="156" name="Google Shape;156;p37"/>
           <p:cNvSpPr txBox="1"/>
           <p:nvPr/>
         </p:nvSpPr>
@@ -13633,38 +13201,10 @@
                 <a:cs typeface="Outfit"/>
                 <a:sym typeface="Outfit"/>
               </a:rPr>
-              <a:t>[Description of potential actions to eliminate the identified inefficiencies]</a:t>
+              <a:t>[</a:t>
             </a:r>
-            <a:endParaRPr b="0" i="0" sz="900" u="none" cap="none" strike="noStrike">
-              <a:solidFill>
-                <a:srgbClr val="7F7F7F"/>
-              </a:solidFill>
-              <a:latin typeface="Outfit"/>
-              <a:ea typeface="Outfit"/>
-              <a:cs typeface="Outfit"/>
-              <a:sym typeface="Outfit"/>
-            </a:endParaRPr>
-          </a:p>
-          <a:p>
-            <a:pPr indent="-273050" lvl="0" marL="457200" marR="0" rtl="0" algn="l">
-              <a:lnSpc>
-                <a:spcPct val="100000"/>
-              </a:lnSpc>
-              <a:spcBef>
-                <a:spcPts val="600"/>
-              </a:spcBef>
-              <a:spcAft>
-                <a:spcPts val="0"/>
-              </a:spcAft>
-              <a:buClr>
-                <a:srgbClr val="7F7F7F"/>
-              </a:buClr>
-              <a:buSzPts val="700"/>
-              <a:buFont typeface="Outfit"/>
-              <a:buChar char="●"/>
-            </a:pPr>
             <a:r>
-              <a:rPr b="0" i="0" lang="en" sz="900" u="none" cap="none" strike="noStrike">
+              <a:rPr lang="en" sz="900">
                 <a:solidFill>
                   <a:srgbClr val="7F7F7F"/>
                 </a:solidFill>
@@ -13673,19 +13213,7 @@
                 <a:cs typeface="Outfit"/>
                 <a:sym typeface="Outfit"/>
               </a:rPr>
-              <a:t>[Process redesigns, user-specific trainings, automated workflows, operational apps, </a:t>
-            </a:r>
-            <a:r>
-              <a:rPr lang="en" sz="900">
-                <a:solidFill>
-                  <a:srgbClr val="7F7F7F"/>
-                </a:solidFill>
-                <a:latin typeface="Outfit"/>
-                <a:ea typeface="Outfit"/>
-                <a:cs typeface="Outfit"/>
-                <a:sym typeface="Outfit"/>
-              </a:rPr>
-              <a:t>…</a:t>
+              <a:t>Short description of your solution</a:t>
             </a:r>
             <a:r>
               <a:rPr b="0" i="0" lang="en" sz="900" u="none" cap="none" strike="noStrike">
@@ -13698,37 +13226,6 @@
                 <a:sym typeface="Outfit"/>
               </a:rPr>
               <a:t>]</a:t>
-            </a:r>
-            <a:endParaRPr b="0" i="0" sz="900" u="none" cap="none" strike="noStrike">
-              <a:solidFill>
-                <a:srgbClr val="7F7F7F"/>
-              </a:solidFill>
-              <a:latin typeface="Outfit"/>
-              <a:ea typeface="Outfit"/>
-              <a:cs typeface="Outfit"/>
-              <a:sym typeface="Outfit"/>
-            </a:endParaRPr>
-          </a:p>
-          <a:p>
-            <a:pPr indent="0" lvl="0" marL="0" marR="0" rtl="0" algn="l">
-              <a:lnSpc>
-                <a:spcPct val="100000"/>
-              </a:lnSpc>
-              <a:spcBef>
-                <a:spcPts val="600"/>
-              </a:spcBef>
-              <a:spcAft>
-                <a:spcPts val="600"/>
-              </a:spcAft>
-              <a:buClr>
-                <a:srgbClr val="000000"/>
-              </a:buClr>
-              <a:buSzPts val="900"/>
-              <a:buFont typeface="Arial"/>
-              <a:buNone/>
-            </a:pPr>
-            <a:r>
-              <a:t/>
             </a:r>
             <a:endParaRPr b="0" i="0" sz="900" u="none" cap="none" strike="noStrike">
               <a:solidFill>
@@ -13744,7 +13241,7 @@
       </p:sp>
       <p:cxnSp>
         <p:nvCxnSpPr>
-          <p:cNvPr id="167" name="Google Shape;167;p38"/>
+          <p:cNvPr id="157" name="Google Shape;157;p37"/>
           <p:cNvCxnSpPr/>
           <p:nvPr/>
         </p:nvCxnSpPr>
@@ -13770,7 +13267,7 @@
       </p:cxnSp>
       <p:sp>
         <p:nvSpPr>
-          <p:cNvPr id="168" name="Google Shape;168;p38"/>
+          <p:cNvPr id="158" name="Google Shape;158;p37"/>
           <p:cNvSpPr txBox="1"/>
           <p:nvPr/>
         </p:nvSpPr>
@@ -13836,7 +13333,7 @@
       </p:sp>
       <p:cxnSp>
         <p:nvCxnSpPr>
-          <p:cNvPr id="169" name="Google Shape;169;p38"/>
+          <p:cNvPr id="159" name="Google Shape;159;p37"/>
           <p:cNvCxnSpPr/>
           <p:nvPr/>
         </p:nvCxnSpPr>
@@ -13862,7 +13359,7 @@
       </p:cxnSp>
       <p:sp>
         <p:nvSpPr>
-          <p:cNvPr id="170" name="Google Shape;170;p38"/>
+          <p:cNvPr id="160" name="Google Shape;160;p37"/>
           <p:cNvSpPr txBox="1"/>
           <p:nvPr/>
         </p:nvSpPr>
@@ -13928,7 +13425,7 @@
       </p:sp>
       <p:sp>
         <p:nvSpPr>
-          <p:cNvPr id="171" name="Google Shape;171;p38"/>
+          <p:cNvPr id="161" name="Google Shape;161;p37"/>
           <p:cNvSpPr/>
           <p:nvPr/>
         </p:nvSpPr>
@@ -14086,7 +13583,7 @@
       </p:sp>
       <p:sp>
         <p:nvSpPr>
-          <p:cNvPr id="172" name="Google Shape;172;p38"/>
+          <p:cNvPr id="162" name="Google Shape;162;p37"/>
           <p:cNvSpPr txBox="1"/>
           <p:nvPr/>
         </p:nvSpPr>
@@ -14152,7 +13649,7 @@
       </p:sp>
       <p:sp>
         <p:nvSpPr>
-          <p:cNvPr id="173" name="Google Shape;173;p38"/>
+          <p:cNvPr id="163" name="Google Shape;163;p37"/>
           <p:cNvSpPr txBox="1"/>
           <p:nvPr/>
         </p:nvSpPr>
@@ -14298,7 +13795,7 @@
       </p:sp>
       <p:cxnSp>
         <p:nvCxnSpPr>
-          <p:cNvPr id="174" name="Google Shape;174;p38"/>
+          <p:cNvPr id="164" name="Google Shape;164;p37"/>
           <p:cNvCxnSpPr/>
           <p:nvPr/>
         </p:nvCxnSpPr>
@@ -14324,7 +13821,7 @@
       </p:cxnSp>
       <p:sp>
         <p:nvSpPr>
-          <p:cNvPr id="175" name="Google Shape;175;p38"/>
+          <p:cNvPr id="165" name="Google Shape;165;p37"/>
           <p:cNvSpPr txBox="1"/>
           <p:nvPr/>
         </p:nvSpPr>
@@ -14417,7 +13914,7 @@
       </p:sp>
       <p:sp>
         <p:nvSpPr>
-          <p:cNvPr id="176" name="Google Shape;176;p38"/>
+          <p:cNvPr id="166" name="Google Shape;166;p37"/>
           <p:cNvSpPr/>
           <p:nvPr/>
         </p:nvSpPr>
@@ -14493,7 +13990,7 @@
       </p:sp>
       <p:sp>
         <p:nvSpPr>
-          <p:cNvPr id="177" name="Google Shape;177;p38"/>
+          <p:cNvPr id="167" name="Google Shape;167;p37"/>
           <p:cNvSpPr/>
           <p:nvPr/>
         </p:nvSpPr>
@@ -14559,7 +14056,7 @@
       </p:sp>
       <p:sp>
         <p:nvSpPr>
-          <p:cNvPr id="178" name="Google Shape;178;p38"/>
+          <p:cNvPr id="168" name="Google Shape;168;p37"/>
           <p:cNvSpPr/>
           <p:nvPr/>
         </p:nvSpPr>
@@ -14625,7 +14122,7 @@
       </p:sp>
       <p:sp>
         <p:nvSpPr>
-          <p:cNvPr id="179" name="Google Shape;179;p38"/>
+          <p:cNvPr id="169" name="Google Shape;169;p37"/>
           <p:cNvSpPr txBox="1"/>
           <p:nvPr/>
         </p:nvSpPr>
@@ -14691,7 +14188,7 @@
       </p:sp>
       <p:sp>
         <p:nvSpPr>
-          <p:cNvPr id="180" name="Google Shape;180;p38"/>
+          <p:cNvPr id="170" name="Google Shape;170;p37"/>
           <p:cNvSpPr/>
           <p:nvPr/>
         </p:nvSpPr>
@@ -14757,7 +14254,7 @@
       </p:sp>
       <p:sp>
         <p:nvSpPr>
-          <p:cNvPr id="181" name="Google Shape;181;p38"/>
+          <p:cNvPr id="171" name="Google Shape;171;p37"/>
           <p:cNvSpPr txBox="1"/>
           <p:nvPr/>
         </p:nvSpPr>
@@ -14823,7 +14320,7 @@
       </p:sp>
       <p:sp>
         <p:nvSpPr>
-          <p:cNvPr id="182" name="Google Shape;182;p38"/>
+          <p:cNvPr id="172" name="Google Shape;172;p37"/>
           <p:cNvSpPr/>
           <p:nvPr/>
         </p:nvSpPr>
@@ -14889,7 +14386,7 @@
       </p:sp>
       <p:sp>
         <p:nvSpPr>
-          <p:cNvPr id="183" name="Google Shape;183;p38"/>
+          <p:cNvPr id="173" name="Google Shape;173;p37"/>
           <p:cNvSpPr/>
           <p:nvPr/>
         </p:nvSpPr>
@@ -14965,7 +14462,7 @@
       </p:sp>
       <p:sp>
         <p:nvSpPr>
-          <p:cNvPr id="184" name="Google Shape;184;p38"/>
+          <p:cNvPr id="174" name="Google Shape;174;p37"/>
           <p:cNvSpPr/>
           <p:nvPr/>
         </p:nvSpPr>
@@ -15041,7 +14538,7 @@
       </p:sp>
       <p:sp>
         <p:nvSpPr>
-          <p:cNvPr id="185" name="Google Shape;185;p38"/>
+          <p:cNvPr id="175" name="Google Shape;175;p37"/>
           <p:cNvSpPr/>
           <p:nvPr/>
         </p:nvSpPr>
@@ -15115,6 +14612,450 @@
           </a:p>
         </p:txBody>
       </p:sp>
+    </p:spTree>
+  </p:cSld>
+  <p:clrMapOvr>
+    <a:masterClrMapping/>
+  </p:clrMapOvr>
+</p:sld>
+</file>
+
+<file path=ppt/slides/slide4.xml><?xml version="1.0" encoding="utf-8"?>
+<p:sld xmlns:a="http://schemas.openxmlformats.org/drawingml/2006/main" xmlns:r="http://schemas.openxmlformats.org/officeDocument/2006/relationships" xmlns:mc="http://schemas.openxmlformats.org/markup-compatibility/2006" xmlns:mv="urn:schemas-microsoft-com:mac:vml" xmlns:p="http://schemas.openxmlformats.org/presentationml/2006/main" xmlns:c="http://schemas.openxmlformats.org/drawingml/2006/chart" xmlns:dgm="http://schemas.openxmlformats.org/drawingml/2006/diagram" xmlns:o="urn:schemas-microsoft-com:office:office" xmlns:v="urn:schemas-microsoft-com:vml" xmlns:pvml="urn:schemas-microsoft-com:office:powerpoint" xmlns:com="http://schemas.openxmlformats.org/drawingml/2006/compatibility" xmlns:p14="http://schemas.microsoft.com/office/powerpoint/2010/main" xmlns:p15="http://schemas.microsoft.com/office/powerpoint/2012/main" xmlns:ahyp="http://schemas.microsoft.com/office/drawing/2018/hyperlinkcolor">
+  <p:cSld>
+    <p:spTree>
+      <p:nvGrpSpPr>
+        <p:cNvPr id="179" name="Shape 179"/>
+        <p:cNvGrpSpPr/>
+        <p:nvPr/>
+      </p:nvGrpSpPr>
+      <p:grpSpPr>
+        <a:xfrm>
+          <a:off x="0" y="0"/>
+          <a:ext cx="0" cy="0"/>
+          <a:chOff x="0" y="0"/>
+          <a:chExt cx="0" cy="0"/>
+        </a:xfrm>
+      </p:grpSpPr>
+      <p:sp>
+        <p:nvSpPr>
+          <p:cNvPr id="180" name="Google Shape;180;p38"/>
+          <p:cNvSpPr txBox="1"/>
+          <p:nvPr>
+            <p:ph idx="4294967295" type="title"/>
+          </p:nvPr>
+        </p:nvSpPr>
+        <p:spPr>
+          <a:xfrm>
+            <a:off x="288325" y="168475"/>
+            <a:ext cx="7939200" cy="546600"/>
+          </a:xfrm>
+          <a:prstGeom prst="rect">
+            <a:avLst/>
+          </a:prstGeom>
+        </p:spPr>
+        <p:txBody>
+          <a:bodyPr anchorCtr="0" anchor="ctr" bIns="91425" lIns="91425" spcFirstLastPara="1" rIns="91425" wrap="square" tIns="91425">
+            <a:noAutofit/>
+          </a:bodyPr>
+          <a:lstStyle/>
+          <a:p>
+            <a:pPr indent="0" lvl="0" marL="0" rtl="0" algn="l">
+              <a:spcBef>
+                <a:spcPts val="0"/>
+              </a:spcBef>
+              <a:spcAft>
+                <a:spcPts val="0"/>
+              </a:spcAft>
+              <a:buNone/>
+            </a:pPr>
+            <a:r>
+              <a:rPr lang="en"/>
+              <a:t>[AI Solution]</a:t>
+            </a:r>
+            <a:endParaRPr/>
+          </a:p>
+        </p:txBody>
+      </p:sp>
+      <p:sp>
+        <p:nvSpPr>
+          <p:cNvPr id="181" name="Google Shape;181;p38"/>
+          <p:cNvSpPr/>
+          <p:nvPr/>
+        </p:nvSpPr>
+        <p:spPr>
+          <a:xfrm>
+            <a:off x="743400" y="1003525"/>
+            <a:ext cx="4862400" cy="1604100"/>
+          </a:xfrm>
+          <a:prstGeom prst="roundRect">
+            <a:avLst>
+              <a:gd fmla="val 16667" name="adj"/>
+            </a:avLst>
+          </a:prstGeom>
+          <a:solidFill>
+            <a:schemeClr val="lt2"/>
+          </a:solidFill>
+          <a:ln cap="flat" cmpd="sng" w="9525">
+            <a:solidFill>
+              <a:schemeClr val="dk2"/>
+            </a:solidFill>
+            <a:prstDash val="solid"/>
+            <a:round/>
+            <a:headEnd len="sm" w="sm" type="none"/>
+            <a:tailEnd len="sm" w="sm" type="none"/>
+          </a:ln>
+        </p:spPr>
+        <p:txBody>
+          <a:bodyPr anchorCtr="0" anchor="ctr" bIns="91425" lIns="91425" spcFirstLastPara="1" rIns="91425" wrap="square" tIns="91425">
+            <a:noAutofit/>
+          </a:bodyPr>
+          <a:lstStyle/>
+          <a:p>
+            <a:pPr indent="0" lvl="0" marL="0" rtl="0" algn="ctr">
+              <a:spcBef>
+                <a:spcPts val="0"/>
+              </a:spcBef>
+              <a:spcAft>
+                <a:spcPts val="0"/>
+              </a:spcAft>
+              <a:buNone/>
+            </a:pPr>
+            <a:r>
+              <a:rPr lang="en" sz="1100">
+                <a:solidFill>
+                  <a:srgbClr val="7F7F7F"/>
+                </a:solidFill>
+                <a:latin typeface="Outfit"/>
+                <a:ea typeface="Outfit"/>
+                <a:cs typeface="Outfit"/>
+                <a:sym typeface="Outfit"/>
+              </a:rPr>
+              <a:t>[High level visualization of the model pipeline]</a:t>
+            </a:r>
+            <a:endParaRPr sz="1600">
+              <a:latin typeface="Outfit Light"/>
+              <a:ea typeface="Outfit Light"/>
+              <a:cs typeface="Outfit Light"/>
+              <a:sym typeface="Outfit Light"/>
+            </a:endParaRPr>
+          </a:p>
+        </p:txBody>
+      </p:sp>
+      <p:sp>
+        <p:nvSpPr>
+          <p:cNvPr id="182" name="Google Shape;182;p38"/>
+          <p:cNvSpPr/>
+          <p:nvPr/>
+        </p:nvSpPr>
+        <p:spPr>
+          <a:xfrm>
+            <a:off x="743400" y="3020950"/>
+            <a:ext cx="2142900" cy="1517700"/>
+          </a:xfrm>
+          <a:prstGeom prst="roundRect">
+            <a:avLst>
+              <a:gd fmla="val 16667" name="adj"/>
+            </a:avLst>
+          </a:prstGeom>
+          <a:solidFill>
+            <a:schemeClr val="lt2"/>
+          </a:solidFill>
+          <a:ln cap="flat" cmpd="sng" w="9525">
+            <a:solidFill>
+              <a:schemeClr val="dk2"/>
+            </a:solidFill>
+            <a:prstDash val="solid"/>
+            <a:round/>
+            <a:headEnd len="sm" w="sm" type="none"/>
+            <a:tailEnd len="sm" w="sm" type="none"/>
+          </a:ln>
+        </p:spPr>
+        <p:txBody>
+          <a:bodyPr anchorCtr="0" anchor="ctr" bIns="91425" lIns="91425" spcFirstLastPara="1" rIns="91425" wrap="square" tIns="91425">
+            <a:noAutofit/>
+          </a:bodyPr>
+          <a:lstStyle/>
+          <a:p>
+            <a:pPr indent="0" lvl="0" marL="0" rtl="0" algn="ctr">
+              <a:spcBef>
+                <a:spcPts val="0"/>
+              </a:spcBef>
+              <a:spcAft>
+                <a:spcPts val="0"/>
+              </a:spcAft>
+              <a:buNone/>
+            </a:pPr>
+            <a:r>
+              <a:rPr lang="en" sz="1100">
+                <a:solidFill>
+                  <a:srgbClr val="7F7F7F"/>
+                </a:solidFill>
+                <a:latin typeface="Outfit"/>
+                <a:ea typeface="Outfit"/>
+                <a:cs typeface="Outfit"/>
+                <a:sym typeface="Outfit"/>
+              </a:rPr>
+              <a:t>[Key Metrics]</a:t>
+            </a:r>
+            <a:endParaRPr sz="1200">
+              <a:latin typeface="Outfit Light"/>
+              <a:ea typeface="Outfit Light"/>
+              <a:cs typeface="Outfit Light"/>
+              <a:sym typeface="Outfit Light"/>
+            </a:endParaRPr>
+          </a:p>
+        </p:txBody>
+      </p:sp>
+      <p:sp>
+        <p:nvSpPr>
+          <p:cNvPr id="183" name="Google Shape;183;p38"/>
+          <p:cNvSpPr txBox="1"/>
+          <p:nvPr/>
+        </p:nvSpPr>
+        <p:spPr>
+          <a:xfrm>
+            <a:off x="7130550" y="1312450"/>
+            <a:ext cx="1702500" cy="2381400"/>
+          </a:xfrm>
+          <a:prstGeom prst="rect">
+            <a:avLst/>
+          </a:prstGeom>
+          <a:noFill/>
+          <a:ln>
+            <a:noFill/>
+          </a:ln>
+        </p:spPr>
+        <p:txBody>
+          <a:bodyPr anchorCtr="0" anchor="t" bIns="91425" lIns="91425" spcFirstLastPara="1" rIns="91425" wrap="square" tIns="91425">
+            <a:noAutofit/>
+          </a:bodyPr>
+          <a:lstStyle/>
+          <a:p>
+            <a:pPr indent="0" lvl="0" marL="0" rtl="0" algn="l">
+              <a:spcBef>
+                <a:spcPts val="0"/>
+              </a:spcBef>
+              <a:spcAft>
+                <a:spcPts val="0"/>
+              </a:spcAft>
+              <a:buNone/>
+            </a:pPr>
+            <a:r>
+              <a:rPr lang="en" sz="1300">
+                <a:solidFill>
+                  <a:schemeClr val="lt1"/>
+                </a:solidFill>
+                <a:latin typeface="Outfit Light"/>
+                <a:ea typeface="Outfit Light"/>
+                <a:cs typeface="Outfit Light"/>
+                <a:sym typeface="Outfit Light"/>
+              </a:rPr>
+              <a:t>Key Insights:</a:t>
+            </a:r>
+            <a:endParaRPr sz="1300">
+              <a:solidFill>
+                <a:schemeClr val="lt1"/>
+              </a:solidFill>
+              <a:latin typeface="Outfit Light"/>
+              <a:ea typeface="Outfit Light"/>
+              <a:cs typeface="Outfit Light"/>
+              <a:sym typeface="Outfit Light"/>
+            </a:endParaRPr>
+          </a:p>
+          <a:p>
+            <a:pPr indent="0" lvl="0" marL="0" rtl="0" algn="l">
+              <a:spcBef>
+                <a:spcPts val="0"/>
+              </a:spcBef>
+              <a:spcAft>
+                <a:spcPts val="0"/>
+              </a:spcAft>
+              <a:buNone/>
+            </a:pPr>
+            <a:r>
+              <a:t/>
+            </a:r>
+            <a:endParaRPr sz="1300">
+              <a:solidFill>
+                <a:schemeClr val="lt1"/>
+              </a:solidFill>
+              <a:latin typeface="Outfit Light"/>
+              <a:ea typeface="Outfit Light"/>
+              <a:cs typeface="Outfit Light"/>
+              <a:sym typeface="Outfit Light"/>
+            </a:endParaRPr>
+          </a:p>
+          <a:p>
+            <a:pPr indent="-175260" lvl="0" marL="274320" rtl="0" algn="l">
+              <a:spcBef>
+                <a:spcPts val="0"/>
+              </a:spcBef>
+              <a:spcAft>
+                <a:spcPts val="0"/>
+              </a:spcAft>
+              <a:buClr>
+                <a:schemeClr val="lt1"/>
+              </a:buClr>
+              <a:buSzPts val="600"/>
+              <a:buFont typeface="Outfit Light"/>
+              <a:buChar char="●"/>
+            </a:pPr>
+            <a:r>
+              <a:rPr lang="en" sz="1100">
+                <a:solidFill>
+                  <a:schemeClr val="lt1"/>
+                </a:solidFill>
+                <a:latin typeface="Outfit Light"/>
+                <a:ea typeface="Outfit Light"/>
+                <a:cs typeface="Outfit Light"/>
+                <a:sym typeface="Outfit Light"/>
+              </a:rPr>
+              <a:t>[Interpretation of Metrics]</a:t>
+            </a:r>
+            <a:endParaRPr sz="1100">
+              <a:solidFill>
+                <a:schemeClr val="lt1"/>
+              </a:solidFill>
+              <a:latin typeface="Outfit Light"/>
+              <a:ea typeface="Outfit Light"/>
+              <a:cs typeface="Outfit Light"/>
+              <a:sym typeface="Outfit Light"/>
+            </a:endParaRPr>
+          </a:p>
+          <a:p>
+            <a:pPr indent="-175260" lvl="0" marL="274320" marR="0" rtl="0" algn="l">
+              <a:lnSpc>
+                <a:spcPct val="100000"/>
+              </a:lnSpc>
+              <a:spcBef>
+                <a:spcPts val="0"/>
+              </a:spcBef>
+              <a:spcAft>
+                <a:spcPts val="0"/>
+              </a:spcAft>
+              <a:buClr>
+                <a:schemeClr val="lt1"/>
+              </a:buClr>
+              <a:buSzPts val="600"/>
+              <a:buFont typeface="Outfit Light"/>
+              <a:buChar char="●"/>
+            </a:pPr>
+            <a:r>
+              <a:rPr lang="en" sz="1100">
+                <a:solidFill>
+                  <a:schemeClr val="lt1"/>
+                </a:solidFill>
+                <a:latin typeface="Outfit Light"/>
+                <a:ea typeface="Outfit Light"/>
+                <a:cs typeface="Outfit Light"/>
+                <a:sym typeface="Outfit Light"/>
+              </a:rPr>
+              <a:t>…</a:t>
+            </a:r>
+            <a:endParaRPr sz="1100">
+              <a:solidFill>
+                <a:schemeClr val="lt1"/>
+              </a:solidFill>
+              <a:latin typeface="Outfit"/>
+              <a:ea typeface="Outfit"/>
+              <a:cs typeface="Outfit"/>
+              <a:sym typeface="Outfit"/>
+            </a:endParaRPr>
+          </a:p>
+        </p:txBody>
+      </p:sp>
+      <p:sp>
+        <p:nvSpPr>
+          <p:cNvPr id="184" name="Google Shape;184;p38"/>
+          <p:cNvSpPr/>
+          <p:nvPr/>
+        </p:nvSpPr>
+        <p:spPr>
+          <a:xfrm>
+            <a:off x="3462900" y="3020950"/>
+            <a:ext cx="2142900" cy="1517700"/>
+          </a:xfrm>
+          <a:prstGeom prst="roundRect">
+            <a:avLst>
+              <a:gd fmla="val 16667" name="adj"/>
+            </a:avLst>
+          </a:prstGeom>
+          <a:solidFill>
+            <a:schemeClr val="lt2"/>
+          </a:solidFill>
+          <a:ln cap="flat" cmpd="sng" w="9525">
+            <a:solidFill>
+              <a:schemeClr val="dk2"/>
+            </a:solidFill>
+            <a:prstDash val="solid"/>
+            <a:round/>
+            <a:headEnd len="sm" w="sm" type="none"/>
+            <a:tailEnd len="sm" w="sm" type="none"/>
+          </a:ln>
+        </p:spPr>
+        <p:txBody>
+          <a:bodyPr anchorCtr="0" anchor="ctr" bIns="91425" lIns="91425" spcFirstLastPara="1" rIns="91425" wrap="square" tIns="91425">
+            <a:noAutofit/>
+          </a:bodyPr>
+          <a:lstStyle/>
+          <a:p>
+            <a:pPr indent="0" lvl="0" marL="0" rtl="0" algn="ctr">
+              <a:spcBef>
+                <a:spcPts val="0"/>
+              </a:spcBef>
+              <a:spcAft>
+                <a:spcPts val="0"/>
+              </a:spcAft>
+              <a:buNone/>
+            </a:pPr>
+            <a:r>
+              <a:rPr lang="en" sz="1100">
+                <a:solidFill>
+                  <a:srgbClr val="7F7F7F"/>
+                </a:solidFill>
+                <a:latin typeface="Outfit"/>
+                <a:ea typeface="Outfit"/>
+                <a:cs typeface="Outfit"/>
+                <a:sym typeface="Outfit"/>
+              </a:rPr>
+              <a:t>[Design Decision]</a:t>
+            </a:r>
+            <a:endParaRPr sz="1200">
+              <a:latin typeface="Outfit Light"/>
+              <a:ea typeface="Outfit Light"/>
+              <a:cs typeface="Outfit Light"/>
+              <a:sym typeface="Outfit Light"/>
+            </a:endParaRPr>
+          </a:p>
+        </p:txBody>
+      </p:sp>
+      <p:cxnSp>
+        <p:nvCxnSpPr>
+          <p:cNvPr id="185" name="Google Shape;185;p38"/>
+          <p:cNvCxnSpPr/>
+          <p:nvPr/>
+        </p:nvCxnSpPr>
+        <p:spPr>
+          <a:xfrm>
+            <a:off x="7200350" y="1711525"/>
+            <a:ext cx="1562700" cy="0"/>
+          </a:xfrm>
+          <a:prstGeom prst="straightConnector1">
+            <a:avLst/>
+          </a:prstGeom>
+          <a:noFill/>
+          <a:ln cap="flat" cmpd="sng" w="9525">
+            <a:solidFill>
+              <a:schemeClr val="lt1"/>
+            </a:solidFill>
+            <a:prstDash val="solid"/>
+            <a:round/>
+            <a:headEnd len="med" w="med" type="none"/>
+            <a:tailEnd len="med" w="med" type="none"/>
+          </a:ln>
+        </p:spPr>
+      </p:cxnSp>
     </p:spTree>
   </p:cSld>
   <p:clrMapOvr>
@@ -15706,6 +15647,285 @@
 </file>
 
 <file path=ppt/theme/theme1.xml><?xml version="1.0" encoding="utf-8"?>
+<a:theme xmlns:a="http://schemas.openxmlformats.org/drawingml/2006/main" xmlns:r="http://schemas.openxmlformats.org/officeDocument/2006/relationships" name="Cavalis_Decks">
+  <a:themeElements>
+    <a:clrScheme name="Simple Light">
+      <a:dk1>
+        <a:srgbClr val="242424"/>
+      </a:dk1>
+      <a:lt1>
+        <a:srgbClr val="FFFFFF"/>
+      </a:lt1>
+      <a:dk2>
+        <a:srgbClr val="595959"/>
+      </a:dk2>
+      <a:lt2>
+        <a:srgbClr val="F3F4EA"/>
+      </a:lt2>
+      <a:accent1>
+        <a:srgbClr val="8DAB8E"/>
+      </a:accent1>
+      <a:accent2>
+        <a:srgbClr val="314A43"/>
+      </a:accent2>
+      <a:accent3>
+        <a:srgbClr val="314A43"/>
+      </a:accent3>
+      <a:accent4>
+        <a:srgbClr val="F7C329"/>
+      </a:accent4>
+      <a:accent5>
+        <a:srgbClr val="314A43"/>
+      </a:accent5>
+      <a:accent6>
+        <a:srgbClr val="EEEEEC"/>
+      </a:accent6>
+      <a:hlink>
+        <a:srgbClr val="8DAB8E"/>
+      </a:hlink>
+      <a:folHlink>
+        <a:srgbClr val="0097A7"/>
+      </a:folHlink>
+    </a:clrScheme>
+    <a:fontScheme name="Office">
+      <a:majorFont>
+        <a:latin typeface="Arial"/>
+        <a:ea typeface=""/>
+        <a:cs typeface=""/>
+        <a:font script="Jpan" typeface="ＭＳ Ｐゴシック"/>
+        <a:font script="Hang" typeface="맑은 고딕"/>
+        <a:font script="Hans" typeface="宋体"/>
+        <a:font script="Hant" typeface="新細明體"/>
+        <a:font script="Arab" typeface="Times New Roman"/>
+        <a:font script="Hebr" typeface="Times New Roman"/>
+        <a:font script="Thai" typeface="Angsana New"/>
+        <a:font script="Ethi" typeface="Nyala"/>
+        <a:font script="Beng" typeface="Vrinda"/>
+        <a:font script="Gujr" typeface="Shruti"/>
+        <a:font script="Khmr" typeface="MoolBoran"/>
+        <a:font script="Knda" typeface="Tunga"/>
+        <a:font script="Guru" typeface="Raavi"/>
+        <a:font script="Cans" typeface="Euphemia"/>
+        <a:font script="Cher" typeface="Plantagenet Cherokee"/>
+        <a:font script="Yiii" typeface="Microsoft Yi Baiti"/>
+        <a:font script="Tibt" typeface="Microsoft Himalaya"/>
+        <a:font script="Thaa" typeface="MV Boli"/>
+        <a:font script="Deva" typeface="Mangal"/>
+        <a:font script="Telu" typeface="Gautami"/>
+        <a:font script="Taml" typeface="Latha"/>
+        <a:font script="Syrc" typeface="Estrangelo Edessa"/>
+        <a:font script="Orya" typeface="Kalinga"/>
+        <a:font script="Mlym" typeface="Kartika"/>
+        <a:font script="Laoo" typeface="DokChampa"/>
+        <a:font script="Sinh" typeface="Iskoola Pota"/>
+        <a:font script="Mong" typeface="Mongolian Baiti"/>
+        <a:font script="Viet" typeface="Times New Roman"/>
+        <a:font script="Uigh" typeface="Microsoft Uighur"/>
+        <a:font script="Geor" typeface="Sylfaen"/>
+      </a:majorFont>
+      <a:minorFont>
+        <a:latin typeface="Arial"/>
+        <a:ea typeface=""/>
+        <a:cs typeface=""/>
+        <a:font script="Jpan" typeface="ＭＳ Ｐゴシック"/>
+        <a:font script="Hang" typeface="맑은 고딕"/>
+        <a:font script="Hans" typeface="宋体"/>
+        <a:font script="Hant" typeface="新細明體"/>
+        <a:font script="Arab" typeface="Arial"/>
+        <a:font script="Hebr" typeface="Arial"/>
+        <a:font script="Thai" typeface="Cordia New"/>
+        <a:font script="Ethi" typeface="Nyala"/>
+        <a:font script="Beng" typeface="Vrinda"/>
+        <a:font script="Gujr" typeface="Shruti"/>
+        <a:font script="Khmr" typeface="DaunPenh"/>
+        <a:font script="Knda" typeface="Tunga"/>
+        <a:font script="Guru" typeface="Raavi"/>
+        <a:font script="Cans" typeface="Euphemia"/>
+        <a:font script="Cher" typeface="Plantagenet Cherokee"/>
+        <a:font script="Yiii" typeface="Microsoft Yi Baiti"/>
+        <a:font script="Tibt" typeface="Microsoft Himalaya"/>
+        <a:font script="Thaa" typeface="MV Boli"/>
+        <a:font script="Deva" typeface="Mangal"/>
+        <a:font script="Telu" typeface="Gautami"/>
+        <a:font script="Taml" typeface="Latha"/>
+        <a:font script="Syrc" typeface="Estrangelo Edessa"/>
+        <a:font script="Orya" typeface="Kalinga"/>
+        <a:font script="Mlym" typeface="Kartika"/>
+        <a:font script="Laoo" typeface="DokChampa"/>
+        <a:font script="Sinh" typeface="Iskoola Pota"/>
+        <a:font script="Mong" typeface="Mongolian Baiti"/>
+        <a:font script="Viet" typeface="Arial"/>
+        <a:font script="Uigh" typeface="Microsoft Uighur"/>
+        <a:font script="Geor" typeface="Sylfaen"/>
+      </a:minorFont>
+    </a:fontScheme>
+    <a:fmtScheme name="Office">
+      <a:fillStyleLst>
+        <a:solidFill>
+          <a:schemeClr val="phClr"/>
+        </a:solidFill>
+        <a:gradFill rotWithShape="1">
+          <a:gsLst>
+            <a:gs pos="0">
+              <a:schemeClr val="phClr">
+                <a:tint val="50000"/>
+                <a:satMod val="300000"/>
+              </a:schemeClr>
+            </a:gs>
+            <a:gs pos="35000">
+              <a:schemeClr val="phClr">
+                <a:tint val="37000"/>
+                <a:satMod val="300000"/>
+              </a:schemeClr>
+            </a:gs>
+            <a:gs pos="100000">
+              <a:schemeClr val="phClr">
+                <a:tint val="15000"/>
+                <a:satMod val="350000"/>
+              </a:schemeClr>
+            </a:gs>
+          </a:gsLst>
+          <a:lin ang="16200000" scaled="1"/>
+        </a:gradFill>
+        <a:gradFill rotWithShape="1">
+          <a:gsLst>
+            <a:gs pos="0">
+              <a:schemeClr val="phClr">
+                <a:tint val="100000"/>
+                <a:shade val="100000"/>
+                <a:satMod val="130000"/>
+              </a:schemeClr>
+            </a:gs>
+            <a:gs pos="100000">
+              <a:schemeClr val="phClr">
+                <a:tint val="50000"/>
+                <a:shade val="100000"/>
+                <a:satMod val="350000"/>
+              </a:schemeClr>
+            </a:gs>
+          </a:gsLst>
+          <a:lin ang="16200000" scaled="0"/>
+        </a:gradFill>
+      </a:fillStyleLst>
+      <a:lnStyleLst>
+        <a:ln w="9525" cap="flat" cmpd="sng" algn="ctr">
+          <a:solidFill>
+            <a:schemeClr val="phClr">
+              <a:shade val="95000"/>
+              <a:satMod val="105000"/>
+            </a:schemeClr>
+          </a:solidFill>
+          <a:prstDash val="solid"/>
+        </a:ln>
+        <a:ln w="25400" cap="flat" cmpd="sng" algn="ctr">
+          <a:solidFill>
+            <a:schemeClr val="phClr"/>
+          </a:solidFill>
+          <a:prstDash val="solid"/>
+        </a:ln>
+        <a:ln w="38100" cap="flat" cmpd="sng" algn="ctr">
+          <a:solidFill>
+            <a:schemeClr val="phClr"/>
+          </a:solidFill>
+          <a:prstDash val="solid"/>
+        </a:ln>
+      </a:lnStyleLst>
+      <a:effectStyleLst>
+        <a:effectStyle>
+          <a:effectLst>
+            <a:outerShdw blurRad="40000" dist="20000" dir="5400000" rotWithShape="0">
+              <a:srgbClr val="000000">
+                <a:alpha val="38000"/>
+              </a:srgbClr>
+            </a:outerShdw>
+          </a:effectLst>
+        </a:effectStyle>
+        <a:effectStyle>
+          <a:effectLst>
+            <a:outerShdw blurRad="40000" dist="23000" dir="5400000" rotWithShape="0">
+              <a:srgbClr val="000000">
+                <a:alpha val="35000"/>
+              </a:srgbClr>
+            </a:outerShdw>
+          </a:effectLst>
+        </a:effectStyle>
+        <a:effectStyle>
+          <a:effectLst>
+            <a:outerShdw blurRad="40000" dist="23000" dir="5400000" rotWithShape="0">
+              <a:srgbClr val="000000">
+                <a:alpha val="35000"/>
+              </a:srgbClr>
+            </a:outerShdw>
+          </a:effectLst>
+          <a:scene3d>
+            <a:camera prst="orthographicFront">
+              <a:rot lat="0" lon="0" rev="0"/>
+            </a:camera>
+            <a:lightRig rig="threePt" dir="t">
+              <a:rot lat="0" lon="0" rev="1200000"/>
+            </a:lightRig>
+          </a:scene3d>
+          <a:sp3d>
+            <a:bevelT w="63500" h="25400"/>
+          </a:sp3d>
+        </a:effectStyle>
+      </a:effectStyleLst>
+      <a:bgFillStyleLst>
+        <a:solidFill>
+          <a:schemeClr val="phClr"/>
+        </a:solidFill>
+        <a:gradFill rotWithShape="1">
+          <a:gsLst>
+            <a:gs pos="0">
+              <a:schemeClr val="phClr">
+                <a:tint val="40000"/>
+                <a:satMod val="350000"/>
+              </a:schemeClr>
+            </a:gs>
+            <a:gs pos="40000">
+              <a:schemeClr val="phClr">
+                <a:tint val="45000"/>
+                <a:shade val="99000"/>
+                <a:satMod val="350000"/>
+              </a:schemeClr>
+            </a:gs>
+            <a:gs pos="100000">
+              <a:schemeClr val="phClr">
+                <a:shade val="20000"/>
+                <a:satMod val="255000"/>
+              </a:schemeClr>
+            </a:gs>
+          </a:gsLst>
+          <a:path path="circle">
+            <a:fillToRect l="50000" t="-80000" r="50000" b="180000"/>
+          </a:path>
+        </a:gradFill>
+        <a:gradFill rotWithShape="1">
+          <a:gsLst>
+            <a:gs pos="0">
+              <a:schemeClr val="phClr">
+                <a:tint val="80000"/>
+                <a:satMod val="300000"/>
+              </a:schemeClr>
+            </a:gs>
+            <a:gs pos="100000">
+              <a:schemeClr val="phClr">
+                <a:shade val="30000"/>
+                <a:satMod val="200000"/>
+              </a:schemeClr>
+            </a:gs>
+          </a:gsLst>
+          <a:path path="circle">
+            <a:fillToRect l="50000" t="50000" r="50000" b="50000"/>
+          </a:path>
+        </a:gradFill>
+      </a:bgFillStyleLst>
+    </a:fmtScheme>
+  </a:themeElements>
+</a:theme>
+</file>
+
+<file path=ppt/theme/theme2.xml><?xml version="1.0" encoding="utf-8"?>
 <a:theme xmlns:a="http://schemas.openxmlformats.org/drawingml/2006/main" xmlns:r="http://schemas.openxmlformats.org/officeDocument/2006/relationships" name="Simple Light">
   <a:themeElements>
     <a:clrScheme name="Simple Light">
@@ -15984,7 +16204,7 @@
 </a:theme>
 </file>
 
-<file path=ppt/theme/theme2.xml><?xml version="1.0" encoding="utf-8"?>
+<file path=ppt/theme/theme3.xml><?xml version="1.0" encoding="utf-8"?>
 <a:theme xmlns:a="http://schemas.openxmlformats.org/drawingml/2006/main" xmlns:r="http://schemas.openxmlformats.org/officeDocument/2006/relationships">
   <a:themeElements>
     <a:clrScheme name="Default">
@@ -16261,283 +16481,4 @@
     </a:fmtScheme>
   </a:themeElements>
 </a:theme>
-</file>
-
-<file path=ppt/theme/theme3.xml><?xml version="1.0" encoding="utf-8"?>
-<a:theme xmlns:a="http://schemas.openxmlformats.org/drawingml/2006/main" xmlns:r="http://schemas.openxmlformats.org/officeDocument/2006/relationships" name="Cavalis_Decks">
-  <a:themeElements>
-    <a:clrScheme name="Simple Light">
-      <a:dk1>
-        <a:srgbClr val="242424"/>
-      </a:dk1>
-      <a:lt1>
-        <a:srgbClr val="FFFFFF"/>
-      </a:lt1>
-      <a:dk2>
-        <a:srgbClr val="595959"/>
-      </a:dk2>
-      <a:lt2>
-        <a:srgbClr val="F3F4EA"/>
-      </a:lt2>
-      <a:accent1>
-        <a:srgbClr val="8DAB8E"/>
-      </a:accent1>
-      <a:accent2>
-        <a:srgbClr val="314A43"/>
-      </a:accent2>
-      <a:accent3>
-        <a:srgbClr val="314A43"/>
-      </a:accent3>
-      <a:accent4>
-        <a:srgbClr val="F7C329"/>
-      </a:accent4>
-      <a:accent5>
-        <a:srgbClr val="314A43"/>
-      </a:accent5>
-      <a:accent6>
-        <a:srgbClr val="EEEEEC"/>
-      </a:accent6>
-      <a:hlink>
-        <a:srgbClr val="8DAB8E"/>
-      </a:hlink>
-      <a:folHlink>
-        <a:srgbClr val="0097A7"/>
-      </a:folHlink>
-    </a:clrScheme>
-    <a:fontScheme name="Office">
-      <a:majorFont>
-        <a:latin typeface="Arial"/>
-        <a:ea typeface=""/>
-        <a:cs typeface=""/>
-        <a:font script="Jpan" typeface="ＭＳ Ｐゴシック"/>
-        <a:font script="Hang" typeface="맑은 고딕"/>
-        <a:font script="Hans" typeface="宋体"/>
-        <a:font script="Hant" typeface="新細明體"/>
-        <a:font script="Arab" typeface="Times New Roman"/>
-        <a:font script="Hebr" typeface="Times New Roman"/>
-        <a:font script="Thai" typeface="Angsana New"/>
-        <a:font script="Ethi" typeface="Nyala"/>
-        <a:font script="Beng" typeface="Vrinda"/>
-        <a:font script="Gujr" typeface="Shruti"/>
-        <a:font script="Khmr" typeface="MoolBoran"/>
-        <a:font script="Knda" typeface="Tunga"/>
-        <a:font script="Guru" typeface="Raavi"/>
-        <a:font script="Cans" typeface="Euphemia"/>
-        <a:font script="Cher" typeface="Plantagenet Cherokee"/>
-        <a:font script="Yiii" typeface="Microsoft Yi Baiti"/>
-        <a:font script="Tibt" typeface="Microsoft Himalaya"/>
-        <a:font script="Thaa" typeface="MV Boli"/>
-        <a:font script="Deva" typeface="Mangal"/>
-        <a:font script="Telu" typeface="Gautami"/>
-        <a:font script="Taml" typeface="Latha"/>
-        <a:font script="Syrc" typeface="Estrangelo Edessa"/>
-        <a:font script="Orya" typeface="Kalinga"/>
-        <a:font script="Mlym" typeface="Kartika"/>
-        <a:font script="Laoo" typeface="DokChampa"/>
-        <a:font script="Sinh" typeface="Iskoola Pota"/>
-        <a:font script="Mong" typeface="Mongolian Baiti"/>
-        <a:font script="Viet" typeface="Times New Roman"/>
-        <a:font script="Uigh" typeface="Microsoft Uighur"/>
-        <a:font script="Geor" typeface="Sylfaen"/>
-      </a:majorFont>
-      <a:minorFont>
-        <a:latin typeface="Arial"/>
-        <a:ea typeface=""/>
-        <a:cs typeface=""/>
-        <a:font script="Jpan" typeface="ＭＳ Ｐゴシック"/>
-        <a:font script="Hang" typeface="맑은 고딕"/>
-        <a:font script="Hans" typeface="宋体"/>
-        <a:font script="Hant" typeface="新細明體"/>
-        <a:font script="Arab" typeface="Arial"/>
-        <a:font script="Hebr" typeface="Arial"/>
-        <a:font script="Thai" typeface="Cordia New"/>
-        <a:font script="Ethi" typeface="Nyala"/>
-        <a:font script="Beng" typeface="Vrinda"/>
-        <a:font script="Gujr" typeface="Shruti"/>
-        <a:font script="Khmr" typeface="DaunPenh"/>
-        <a:font script="Knda" typeface="Tunga"/>
-        <a:font script="Guru" typeface="Raavi"/>
-        <a:font script="Cans" typeface="Euphemia"/>
-        <a:font script="Cher" typeface="Plantagenet Cherokee"/>
-        <a:font script="Yiii" typeface="Microsoft Yi Baiti"/>
-        <a:font script="Tibt" typeface="Microsoft Himalaya"/>
-        <a:font script="Thaa" typeface="MV Boli"/>
-        <a:font script="Deva" typeface="Mangal"/>
-        <a:font script="Telu" typeface="Gautami"/>
-        <a:font script="Taml" typeface="Latha"/>
-        <a:font script="Syrc" typeface="Estrangelo Edessa"/>
-        <a:font script="Orya" typeface="Kalinga"/>
-        <a:font script="Mlym" typeface="Kartika"/>
-        <a:font script="Laoo" typeface="DokChampa"/>
-        <a:font script="Sinh" typeface="Iskoola Pota"/>
-        <a:font script="Mong" typeface="Mongolian Baiti"/>
-        <a:font script="Viet" typeface="Arial"/>
-        <a:font script="Uigh" typeface="Microsoft Uighur"/>
-        <a:font script="Geor" typeface="Sylfaen"/>
-      </a:minorFont>
-    </a:fontScheme>
-    <a:fmtScheme name="Office">
-      <a:fillStyleLst>
-        <a:solidFill>
-          <a:schemeClr val="phClr"/>
-        </a:solidFill>
-        <a:gradFill rotWithShape="1">
-          <a:gsLst>
-            <a:gs pos="0">
-              <a:schemeClr val="phClr">
-                <a:tint val="50000"/>
-                <a:satMod val="300000"/>
-              </a:schemeClr>
-            </a:gs>
-            <a:gs pos="35000">
-              <a:schemeClr val="phClr">
-                <a:tint val="37000"/>
-                <a:satMod val="300000"/>
-              </a:schemeClr>
-            </a:gs>
-            <a:gs pos="100000">
-              <a:schemeClr val="phClr">
-                <a:tint val="15000"/>
-                <a:satMod val="350000"/>
-              </a:schemeClr>
-            </a:gs>
-          </a:gsLst>
-          <a:lin ang="16200000" scaled="1"/>
-        </a:gradFill>
-        <a:gradFill rotWithShape="1">
-          <a:gsLst>
-            <a:gs pos="0">
-              <a:schemeClr val="phClr">
-                <a:tint val="100000"/>
-                <a:shade val="100000"/>
-                <a:satMod val="130000"/>
-              </a:schemeClr>
-            </a:gs>
-            <a:gs pos="100000">
-              <a:schemeClr val="phClr">
-                <a:tint val="50000"/>
-                <a:shade val="100000"/>
-                <a:satMod val="350000"/>
-              </a:schemeClr>
-            </a:gs>
-          </a:gsLst>
-          <a:lin ang="16200000" scaled="0"/>
-        </a:gradFill>
-      </a:fillStyleLst>
-      <a:lnStyleLst>
-        <a:ln w="9525" cap="flat" cmpd="sng" algn="ctr">
-          <a:solidFill>
-            <a:schemeClr val="phClr">
-              <a:shade val="95000"/>
-              <a:satMod val="105000"/>
-            </a:schemeClr>
-          </a:solidFill>
-          <a:prstDash val="solid"/>
-        </a:ln>
-        <a:ln w="25400" cap="flat" cmpd="sng" algn="ctr">
-          <a:solidFill>
-            <a:schemeClr val="phClr"/>
-          </a:solidFill>
-          <a:prstDash val="solid"/>
-        </a:ln>
-        <a:ln w="38100" cap="flat" cmpd="sng" algn="ctr">
-          <a:solidFill>
-            <a:schemeClr val="phClr"/>
-          </a:solidFill>
-          <a:prstDash val="solid"/>
-        </a:ln>
-      </a:lnStyleLst>
-      <a:effectStyleLst>
-        <a:effectStyle>
-          <a:effectLst>
-            <a:outerShdw blurRad="40000" dist="20000" dir="5400000" rotWithShape="0">
-              <a:srgbClr val="000000">
-                <a:alpha val="38000"/>
-              </a:srgbClr>
-            </a:outerShdw>
-          </a:effectLst>
-        </a:effectStyle>
-        <a:effectStyle>
-          <a:effectLst>
-            <a:outerShdw blurRad="40000" dist="23000" dir="5400000" rotWithShape="0">
-              <a:srgbClr val="000000">
-                <a:alpha val="35000"/>
-              </a:srgbClr>
-            </a:outerShdw>
-          </a:effectLst>
-        </a:effectStyle>
-        <a:effectStyle>
-          <a:effectLst>
-            <a:outerShdw blurRad="40000" dist="23000" dir="5400000" rotWithShape="0">
-              <a:srgbClr val="000000">
-                <a:alpha val="35000"/>
-              </a:srgbClr>
-            </a:outerShdw>
-          </a:effectLst>
-          <a:scene3d>
-            <a:camera prst="orthographicFront">
-              <a:rot lat="0" lon="0" rev="0"/>
-            </a:camera>
-            <a:lightRig rig="threePt" dir="t">
-              <a:rot lat="0" lon="0" rev="1200000"/>
-            </a:lightRig>
-          </a:scene3d>
-          <a:sp3d>
-            <a:bevelT w="63500" h="25400"/>
-          </a:sp3d>
-        </a:effectStyle>
-      </a:effectStyleLst>
-      <a:bgFillStyleLst>
-        <a:solidFill>
-          <a:schemeClr val="phClr"/>
-        </a:solidFill>
-        <a:gradFill rotWithShape="1">
-          <a:gsLst>
-            <a:gs pos="0">
-              <a:schemeClr val="phClr">
-                <a:tint val="40000"/>
-                <a:satMod val="350000"/>
-              </a:schemeClr>
-            </a:gs>
-            <a:gs pos="40000">
-              <a:schemeClr val="phClr">
-                <a:tint val="45000"/>
-                <a:shade val="99000"/>
-                <a:satMod val="350000"/>
-              </a:schemeClr>
-            </a:gs>
-            <a:gs pos="100000">
-              <a:schemeClr val="phClr">
-                <a:shade val="20000"/>
-                <a:satMod val="255000"/>
-              </a:schemeClr>
-            </a:gs>
-          </a:gsLst>
-          <a:path path="circle">
-            <a:fillToRect l="50000" t="-80000" r="50000" b="180000"/>
-          </a:path>
-        </a:gradFill>
-        <a:gradFill rotWithShape="1">
-          <a:gsLst>
-            <a:gs pos="0">
-              <a:schemeClr val="phClr">
-                <a:tint val="80000"/>
-                <a:satMod val="300000"/>
-              </a:schemeClr>
-            </a:gs>
-            <a:gs pos="100000">
-              <a:schemeClr val="phClr">
-                <a:shade val="30000"/>
-                <a:satMod val="200000"/>
-              </a:schemeClr>
-            </a:gs>
-          </a:gsLst>
-          <a:path path="circle">
-            <a:fillToRect l="50000" t="50000" r="50000" b="50000"/>
-          </a:path>
-        </a:gradFill>
-      </a:bgFillStyleLst>
-    </a:fmtScheme>
-  </a:themeElements>
-</a:theme>
 </file>